--- a/Documentation/PowerPoint/HammerjaegerGoldmaster.pptx
+++ b/Documentation/PowerPoint/HammerjaegerGoldmaster.pptx
@@ -4039,42 +4039,94 @@
       </p:grpSpPr>
       <p:sp>
         <p:nvSpPr>
-          <p:cNvPr id="4" name="Inhaltsplatzhalter 3"/>
-          <p:cNvSpPr>
-            <a:spLocks noGrp="1"/>
-          </p:cNvSpPr>
+          <p:cNvPr id="5" name="Titel 4"/>
+          <p:cNvSpPr>
+            <a:spLocks noGrp="1"/>
+          </p:cNvSpPr>
+          <p:nvPr>
+            <p:ph type="title"/>
+          </p:nvPr>
+        </p:nvSpPr>
+        <p:spPr/>
+        <p:txBody>
+          <a:bodyPr/>
+          <a:lstStyle/>
+          <a:p>
+            <a:endParaRPr lang="de-DE"/>
+          </a:p>
+        </p:txBody>
+      </p:sp>
+      <p:sp>
+        <p:nvSpPr>
+          <p:cNvPr id="3" name="Rechteck 2"/>
+          <p:cNvSpPr/>
+          <p:nvPr/>
+        </p:nvSpPr>
+        <p:spPr>
+          <a:xfrm>
+            <a:off x="-17805" y="-99392"/>
+            <a:ext cx="9252520" cy="7029400"/>
+          </a:xfrm>
+          <a:prstGeom prst="rect">
+            <a:avLst/>
+          </a:prstGeom>
+          <a:solidFill>
+            <a:schemeClr val="tx1"/>
+          </a:solidFill>
+        </p:spPr>
+        <p:style>
+          <a:lnRef idx="2">
+            <a:schemeClr val="accent1">
+              <a:shade val="50000"/>
+            </a:schemeClr>
+          </a:lnRef>
+          <a:fillRef idx="1">
+            <a:schemeClr val="accent1"/>
+          </a:fillRef>
+          <a:effectRef idx="0">
+            <a:schemeClr val="accent1"/>
+          </a:effectRef>
+          <a:fontRef idx="minor">
+            <a:schemeClr val="lt1"/>
+          </a:fontRef>
+        </p:style>
+        <p:txBody>
+          <a:bodyPr rtlCol="0" anchor="ctr"/>
+          <a:lstStyle/>
+          <a:p>
+            <a:pPr algn="ctr"/>
+            <a:endParaRPr lang="de-DE"/>
+          </a:p>
+        </p:txBody>
+      </p:sp>
+      <p:pic>
+        <p:nvPicPr>
+          <p:cNvPr id="2" name="Inhaltsplatzhalter 1"/>
+          <p:cNvPicPr>
+            <a:picLocks noGrp="1" noChangeAspect="1"/>
+          </p:cNvPicPr>
           <p:nvPr>
             <p:ph idx="1"/>
           </p:nvPr>
-        </p:nvSpPr>
-        <p:spPr/>
-        <p:txBody>
-          <a:bodyPr/>
-          <a:lstStyle/>
-          <a:p>
-            <a:endParaRPr lang="de-DE"/>
-          </a:p>
-        </p:txBody>
-      </p:sp>
-      <p:sp>
-        <p:nvSpPr>
-          <p:cNvPr id="5" name="Titel 4"/>
-          <p:cNvSpPr>
-            <a:spLocks noGrp="1"/>
-          </p:cNvSpPr>
-          <p:nvPr>
-            <p:ph type="title"/>
-          </p:nvPr>
-        </p:nvSpPr>
-        <p:spPr/>
-        <p:txBody>
-          <a:bodyPr/>
-          <a:lstStyle/>
-          <a:p>
-            <a:endParaRPr lang="de-DE"/>
-          </a:p>
-        </p:txBody>
-      </p:sp>
+        </p:nvPicPr>
+        <p:blipFill rotWithShape="1">
+          <a:blip r:embed="rId2">
+            <a:extLst>
+              <a:ext uri="{28A0092B-C50C-407E-A947-70E740481C1C}">
+                <a14:useLocalDpi xmlns:a14="http://schemas.microsoft.com/office/drawing/2010/main" val="0"/>
+              </a:ext>
+            </a:extLst>
+          </a:blip>
+          <a:srcRect l="5478" t="1100" r="1077"/>
+          <a:stretch/>
+        </p:blipFill>
+        <p:spPr>
+          <a:xfrm>
+            <a:off x="-5956" y="681486"/>
+            <a:ext cx="9155912" cy="5469069"/>
+          </a:xfrm>
+        </p:spPr>
+      </p:pic>
     </p:spTree>
     <p:extLst>
       <p:ext uri="{BB962C8B-B14F-4D97-AF65-F5344CB8AC3E}">

--- a/Documentation/PowerPoint/HammerjaegerGoldmaster.pptx
+++ b/Documentation/PowerPoint/HammerjaegerGoldmaster.pptx
@@ -11,6 +11,7 @@
     <p:sldId id="259" r:id="rId5"/>
     <p:sldId id="279" r:id="rId6"/>
     <p:sldId id="257" r:id="rId7"/>
+    <p:sldId id="280" r:id="rId8"/>
   </p:sldIdLst>
   <p:sldSz cx="9144000" cy="6858000" type="screen4x3"/>
   <p:notesSz cx="6858000" cy="9144000"/>
@@ -3349,7 +3350,12 @@
             <p:ph idx="1"/>
           </p:nvPr>
         </p:nvSpPr>
-        <p:spPr/>
+        <p:spPr>
+          <a:xfrm>
+            <a:off x="446956" y="1916832"/>
+            <a:ext cx="8229600" cy="1152128"/>
+          </a:xfrm>
+        </p:spPr>
         <p:txBody>
           <a:bodyPr/>
           <a:lstStyle/>
@@ -3463,7 +3469,182 @@
                 </a:solidFill>
                 <a:latin typeface="TeXGyreAdventor" pitchFamily="50" charset="0"/>
               </a:rPr>
-              <a:t>. Der Spieler übernimmt die Rolle von </a:t>
+              <a:t>. </a:t>
+            </a:r>
+          </a:p>
+        </p:txBody>
+      </p:sp>
+      <p:sp>
+        <p:nvSpPr>
+          <p:cNvPr id="4" name="Inhaltsplatzhalter 4"/>
+          <p:cNvSpPr txBox="1">
+            <a:spLocks/>
+          </p:cNvSpPr>
+          <p:nvPr/>
+        </p:nvSpPr>
+        <p:spPr>
+          <a:xfrm>
+            <a:off x="446956" y="3429000"/>
+            <a:ext cx="8229600" cy="3004782"/>
+          </a:xfrm>
+          <a:prstGeom prst="rect">
+            <a:avLst/>
+          </a:prstGeom>
+        </p:spPr>
+        <p:txBody>
+          <a:bodyPr vert="horz" lIns="91440" tIns="45720" rIns="91440" bIns="45720" rtlCol="0">
+            <a:normAutofit lnSpcReduction="10000"/>
+          </a:bodyPr>
+          <a:lstStyle>
+            <a:lvl1pPr marL="342900" indent="-342900" algn="l" defTabSz="914400" rtl="0" eaLnBrk="1" latinLnBrk="0" hangingPunct="1">
+              <a:spcBef>
+                <a:spcPct val="20000"/>
+              </a:spcBef>
+              <a:buFont typeface="Arial" panose="020B0604020202020204" pitchFamily="34" charset="0"/>
+              <a:buChar char="•"/>
+              <a:defRPr sz="3200" kern="1200">
+                <a:solidFill>
+                  <a:schemeClr val="tx1"/>
+                </a:solidFill>
+                <a:latin typeface="+mn-lt"/>
+                <a:ea typeface="+mn-ea"/>
+                <a:cs typeface="+mn-cs"/>
+              </a:defRPr>
+            </a:lvl1pPr>
+            <a:lvl2pPr marL="742950" indent="-285750" algn="l" defTabSz="914400" rtl="0" eaLnBrk="1" latinLnBrk="0" hangingPunct="1">
+              <a:spcBef>
+                <a:spcPct val="20000"/>
+              </a:spcBef>
+              <a:buFont typeface="Arial" panose="020B0604020202020204" pitchFamily="34" charset="0"/>
+              <a:buChar char="–"/>
+              <a:defRPr sz="2800" kern="1200">
+                <a:solidFill>
+                  <a:schemeClr val="tx1"/>
+                </a:solidFill>
+                <a:latin typeface="+mn-lt"/>
+                <a:ea typeface="+mn-ea"/>
+                <a:cs typeface="+mn-cs"/>
+              </a:defRPr>
+            </a:lvl2pPr>
+            <a:lvl3pPr marL="1143000" indent="-228600" algn="l" defTabSz="914400" rtl="0" eaLnBrk="1" latinLnBrk="0" hangingPunct="1">
+              <a:spcBef>
+                <a:spcPct val="20000"/>
+              </a:spcBef>
+              <a:buFont typeface="Arial" panose="020B0604020202020204" pitchFamily="34" charset="0"/>
+              <a:buChar char="•"/>
+              <a:defRPr sz="2400" kern="1200">
+                <a:solidFill>
+                  <a:schemeClr val="tx1"/>
+                </a:solidFill>
+                <a:latin typeface="+mn-lt"/>
+                <a:ea typeface="+mn-ea"/>
+                <a:cs typeface="+mn-cs"/>
+              </a:defRPr>
+            </a:lvl3pPr>
+            <a:lvl4pPr marL="1600200" indent="-228600" algn="l" defTabSz="914400" rtl="0" eaLnBrk="1" latinLnBrk="0" hangingPunct="1">
+              <a:spcBef>
+                <a:spcPct val="20000"/>
+              </a:spcBef>
+              <a:buFont typeface="Arial" panose="020B0604020202020204" pitchFamily="34" charset="0"/>
+              <a:buChar char="–"/>
+              <a:defRPr sz="2000" kern="1200">
+                <a:solidFill>
+                  <a:schemeClr val="tx1"/>
+                </a:solidFill>
+                <a:latin typeface="+mn-lt"/>
+                <a:ea typeface="+mn-ea"/>
+                <a:cs typeface="+mn-cs"/>
+              </a:defRPr>
+            </a:lvl4pPr>
+            <a:lvl5pPr marL="2057400" indent="-228600" algn="l" defTabSz="914400" rtl="0" eaLnBrk="1" latinLnBrk="0" hangingPunct="1">
+              <a:spcBef>
+                <a:spcPct val="20000"/>
+              </a:spcBef>
+              <a:buFont typeface="Arial" panose="020B0604020202020204" pitchFamily="34" charset="0"/>
+              <a:buChar char="»"/>
+              <a:defRPr sz="2000" kern="1200">
+                <a:solidFill>
+                  <a:schemeClr val="tx1"/>
+                </a:solidFill>
+                <a:latin typeface="+mn-lt"/>
+                <a:ea typeface="+mn-ea"/>
+                <a:cs typeface="+mn-cs"/>
+              </a:defRPr>
+            </a:lvl5pPr>
+            <a:lvl6pPr marL="2514600" indent="-228600" algn="l" defTabSz="914400" rtl="0" eaLnBrk="1" latinLnBrk="0" hangingPunct="1">
+              <a:spcBef>
+                <a:spcPct val="20000"/>
+              </a:spcBef>
+              <a:buFont typeface="Arial" panose="020B0604020202020204" pitchFamily="34" charset="0"/>
+              <a:buChar char="•"/>
+              <a:defRPr sz="2000" kern="1200">
+                <a:solidFill>
+                  <a:schemeClr val="tx1"/>
+                </a:solidFill>
+                <a:latin typeface="+mn-lt"/>
+                <a:ea typeface="+mn-ea"/>
+                <a:cs typeface="+mn-cs"/>
+              </a:defRPr>
+            </a:lvl6pPr>
+            <a:lvl7pPr marL="2971800" indent="-228600" algn="l" defTabSz="914400" rtl="0" eaLnBrk="1" latinLnBrk="0" hangingPunct="1">
+              <a:spcBef>
+                <a:spcPct val="20000"/>
+              </a:spcBef>
+              <a:buFont typeface="Arial" panose="020B0604020202020204" pitchFamily="34" charset="0"/>
+              <a:buChar char="•"/>
+              <a:defRPr sz="2000" kern="1200">
+                <a:solidFill>
+                  <a:schemeClr val="tx1"/>
+                </a:solidFill>
+                <a:latin typeface="+mn-lt"/>
+                <a:ea typeface="+mn-ea"/>
+                <a:cs typeface="+mn-cs"/>
+              </a:defRPr>
+            </a:lvl7pPr>
+            <a:lvl8pPr marL="3429000" indent="-228600" algn="l" defTabSz="914400" rtl="0" eaLnBrk="1" latinLnBrk="0" hangingPunct="1">
+              <a:spcBef>
+                <a:spcPct val="20000"/>
+              </a:spcBef>
+              <a:buFont typeface="Arial" panose="020B0604020202020204" pitchFamily="34" charset="0"/>
+              <a:buChar char="•"/>
+              <a:defRPr sz="2000" kern="1200">
+                <a:solidFill>
+                  <a:schemeClr val="tx1"/>
+                </a:solidFill>
+                <a:latin typeface="+mn-lt"/>
+                <a:ea typeface="+mn-ea"/>
+                <a:cs typeface="+mn-cs"/>
+              </a:defRPr>
+            </a:lvl8pPr>
+            <a:lvl9pPr marL="3886200" indent="-228600" algn="l" defTabSz="914400" rtl="0" eaLnBrk="1" latinLnBrk="0" hangingPunct="1">
+              <a:spcBef>
+                <a:spcPct val="20000"/>
+              </a:spcBef>
+              <a:buFont typeface="Arial" panose="020B0604020202020204" pitchFamily="34" charset="0"/>
+              <a:buChar char="•"/>
+              <a:defRPr sz="2000" kern="1200">
+                <a:solidFill>
+                  <a:schemeClr val="tx1"/>
+                </a:solidFill>
+                <a:latin typeface="+mn-lt"/>
+                <a:ea typeface="+mn-ea"/>
+                <a:cs typeface="+mn-cs"/>
+              </a:defRPr>
+            </a:lvl9pPr>
+          </a:lstStyle>
+          <a:p>
+            <a:pPr marL="0" indent="0" algn="ctr">
+              <a:buFont typeface="Arial" panose="020B0604020202020204" pitchFamily="34" charset="0"/>
+              <a:buNone/>
+            </a:pPr>
+            <a:r>
+              <a:rPr lang="de-DE" dirty="0" smtClean="0">
+                <a:solidFill>
+                  <a:schemeClr val="bg1"/>
+                </a:solidFill>
+                <a:latin typeface="TeXGyreAdventor" pitchFamily="50" charset="0"/>
+              </a:rPr>
+              <a:t>Der Spieler übernimmt die Rolle von </a:t>
             </a:r>
             <a:r>
               <a:rPr lang="de-DE" dirty="0" err="1" smtClean="0">
@@ -3481,19 +3662,10 @@
                 </a:solidFill>
                 <a:latin typeface="TeXGyreAdventor" pitchFamily="50" charset="0"/>
               </a:rPr>
-              <a:t>, </a:t>
-            </a:r>
-            <a:r>
-              <a:rPr lang="de-DE" dirty="0">
-                <a:solidFill>
-                  <a:schemeClr val="bg1"/>
-                </a:solidFill>
-                <a:latin typeface="TeXGyreAdventor" pitchFamily="50" charset="0"/>
-              </a:rPr>
-              <a:t>einem Kammerjäger, der eine </a:t>
-            </a:r>
-            <a:r>
-              <a:rPr lang="de-DE" b="1" dirty="0">
+              <a:t>, einem Kammerjäger, der eine </a:t>
+            </a:r>
+            <a:r>
+              <a:rPr lang="de-DE" b="1" dirty="0" smtClean="0">
                 <a:solidFill>
                   <a:schemeClr val="bg1"/>
                 </a:solidFill>
@@ -3502,7 +3674,7 @@
               <a:t>amerikanische Vorstadt</a:t>
             </a:r>
             <a:r>
-              <a:rPr lang="de-DE" dirty="0">
+              <a:rPr lang="de-DE" dirty="0" smtClean="0">
                 <a:solidFill>
                   <a:schemeClr val="bg1"/>
                 </a:solidFill>
@@ -3511,7 +3683,7 @@
               <a:t> der </a:t>
             </a:r>
             <a:r>
-              <a:rPr lang="de-DE" b="1" dirty="0">
+              <a:rPr lang="de-DE" b="1" dirty="0" smtClean="0">
                 <a:solidFill>
                   <a:schemeClr val="bg1"/>
                 </a:solidFill>
@@ -3520,7 +3692,7 @@
               <a:t>80er</a:t>
             </a:r>
             <a:r>
-              <a:rPr lang="de-DE" dirty="0">
+              <a:rPr lang="de-DE" dirty="0" smtClean="0">
                 <a:solidFill>
                   <a:schemeClr val="bg1"/>
                 </a:solidFill>
@@ -3529,7 +3701,7 @@
               <a:t> mit seinem riesigen Hammer und wuchtigen Schlägen gegen eine </a:t>
             </a:r>
             <a:r>
-              <a:rPr lang="de-DE" b="1" dirty="0">
+              <a:rPr lang="de-DE" b="1" dirty="0" smtClean="0">
                 <a:solidFill>
                   <a:schemeClr val="bg1"/>
                 </a:solidFill>
@@ -3538,7 +3710,7 @@
               <a:t>Invasion kleiner Roboter</a:t>
             </a:r>
             <a:r>
-              <a:rPr lang="de-DE" dirty="0">
+              <a:rPr lang="de-DE" dirty="0" smtClean="0">
                 <a:solidFill>
                   <a:schemeClr val="bg1"/>
                 </a:solidFill>
@@ -3546,6 +3718,12 @@
               </a:rPr>
               <a:t> verteidigt.</a:t>
             </a:r>
+            <a:endParaRPr lang="de-DE" dirty="0">
+              <a:solidFill>
+                <a:schemeClr val="bg1"/>
+              </a:solidFill>
+              <a:latin typeface="TeXGyreAdventor" pitchFamily="50" charset="0"/>
+            </a:endParaRPr>
           </a:p>
         </p:txBody>
       </p:sp>
@@ -3562,7 +3740,152 @@
   <p:timing>
     <p:tnLst>
       <p:par>
-        <p:cTn id="1" dur="indefinite" restart="never" nodeType="tmRoot"/>
+        <p:cTn id="1" dur="indefinite" restart="never" nodeType="tmRoot">
+          <p:childTnLst>
+            <p:seq concurrent="1" nextAc="seek">
+              <p:cTn id="2" dur="indefinite" nodeType="mainSeq">
+                <p:childTnLst>
+                  <p:par>
+                    <p:cTn id="3" fill="hold">
+                      <p:stCondLst>
+                        <p:cond delay="indefinite"/>
+                      </p:stCondLst>
+                      <p:childTnLst>
+                        <p:par>
+                          <p:cTn id="4" fill="hold">
+                            <p:stCondLst>
+                              <p:cond delay="0"/>
+                            </p:stCondLst>
+                            <p:childTnLst>
+                              <p:par>
+                                <p:cTn id="5" presetID="10" presetClass="entr" presetSubtype="0" fill="hold" nodeType="clickEffect">
+                                  <p:stCondLst>
+                                    <p:cond delay="0"/>
+                                  </p:stCondLst>
+                                  <p:childTnLst>
+                                    <p:set>
+                                      <p:cBhvr>
+                                        <p:cTn id="6" dur="1" fill="hold">
+                                          <p:stCondLst>
+                                            <p:cond delay="0"/>
+                                          </p:stCondLst>
+                                        </p:cTn>
+                                        <p:tgtEl>
+                                          <p:spTgt spid="5">
+                                            <p:txEl>
+                                              <p:pRg st="0" end="0"/>
+                                            </p:txEl>
+                                          </p:spTgt>
+                                        </p:tgtEl>
+                                        <p:attrNameLst>
+                                          <p:attrName>style.visibility</p:attrName>
+                                        </p:attrNameLst>
+                                      </p:cBhvr>
+                                      <p:to>
+                                        <p:strVal val="visible"/>
+                                      </p:to>
+                                    </p:set>
+                                    <p:animEffect transition="in" filter="fade">
+                                      <p:cBhvr>
+                                        <p:cTn id="7" dur="500"/>
+                                        <p:tgtEl>
+                                          <p:spTgt spid="5">
+                                            <p:txEl>
+                                              <p:pRg st="0" end="0"/>
+                                            </p:txEl>
+                                          </p:spTgt>
+                                        </p:tgtEl>
+                                      </p:cBhvr>
+                                    </p:animEffect>
+                                  </p:childTnLst>
+                                </p:cTn>
+                              </p:par>
+                            </p:childTnLst>
+                          </p:cTn>
+                        </p:par>
+                      </p:childTnLst>
+                    </p:cTn>
+                  </p:par>
+                  <p:par>
+                    <p:cTn id="8" fill="hold">
+                      <p:stCondLst>
+                        <p:cond delay="indefinite"/>
+                      </p:stCondLst>
+                      <p:childTnLst>
+                        <p:par>
+                          <p:cTn id="9" fill="hold">
+                            <p:stCondLst>
+                              <p:cond delay="0"/>
+                            </p:stCondLst>
+                            <p:childTnLst>
+                              <p:par>
+                                <p:cTn id="10" presetID="10" presetClass="entr" presetSubtype="0" fill="hold" nodeType="clickEffect">
+                                  <p:stCondLst>
+                                    <p:cond delay="0"/>
+                                  </p:stCondLst>
+                                  <p:childTnLst>
+                                    <p:set>
+                                      <p:cBhvr>
+                                        <p:cTn id="11" dur="1" fill="hold">
+                                          <p:stCondLst>
+                                            <p:cond delay="0"/>
+                                          </p:stCondLst>
+                                        </p:cTn>
+                                        <p:tgtEl>
+                                          <p:spTgt spid="4">
+                                            <p:txEl>
+                                              <p:pRg st="0" end="0"/>
+                                            </p:txEl>
+                                          </p:spTgt>
+                                        </p:tgtEl>
+                                        <p:attrNameLst>
+                                          <p:attrName>style.visibility</p:attrName>
+                                        </p:attrNameLst>
+                                      </p:cBhvr>
+                                      <p:to>
+                                        <p:strVal val="visible"/>
+                                      </p:to>
+                                    </p:set>
+                                    <p:animEffect transition="in" filter="fade">
+                                      <p:cBhvr>
+                                        <p:cTn id="12" dur="500"/>
+                                        <p:tgtEl>
+                                          <p:spTgt spid="4">
+                                            <p:txEl>
+                                              <p:pRg st="0" end="0"/>
+                                            </p:txEl>
+                                          </p:spTgt>
+                                        </p:tgtEl>
+                                      </p:cBhvr>
+                                    </p:animEffect>
+                                  </p:childTnLst>
+                                </p:cTn>
+                              </p:par>
+                            </p:childTnLst>
+                          </p:cTn>
+                        </p:par>
+                      </p:childTnLst>
+                    </p:cTn>
+                  </p:par>
+                </p:childTnLst>
+              </p:cTn>
+              <p:prevCondLst>
+                <p:cond evt="onPrev" delay="0">
+                  <p:tgtEl>
+                    <p:sldTgt/>
+                  </p:tgtEl>
+                </p:cond>
+              </p:prevCondLst>
+              <p:nextCondLst>
+                <p:cond evt="onNext" delay="0">
+                  <p:tgtEl>
+                    <p:sldTgt/>
+                  </p:tgtEl>
+                </p:cond>
+              </p:nextCondLst>
+            </p:seq>
+          </p:childTnLst>
+        </p:cTn>
       </p:par>
     </p:tnLst>
   </p:timing>
@@ -3658,7 +3981,7 @@
                 </a:solidFill>
                 <a:latin typeface="TeXGyreAdventor" pitchFamily="50" charset="0"/>
               </a:rPr>
-              <a:t>Roboter zertrümmern muss ultimativ Spaß </a:t>
+              <a:t>Roboter zertrümmern </a:t>
             </a:r>
             <a:r>
               <a:rPr lang="de-DE" b="1" dirty="0" smtClean="0">
@@ -3667,7 +3990,7 @@
                 </a:solidFill>
                 <a:latin typeface="TeXGyreAdventor" pitchFamily="50" charset="0"/>
               </a:rPr>
-              <a:t>machen</a:t>
+              <a:t>macht ultimativ Spaß</a:t>
             </a:r>
             <a:endParaRPr lang="de-DE" dirty="0" smtClean="0">
               <a:solidFill>
@@ -3840,9 +4163,340 @@
   <p:timing>
     <p:tnLst>
       <p:par>
-        <p:cTn id="1" dur="indefinite" restart="never" nodeType="tmRoot"/>
+        <p:cTn id="1" dur="indefinite" restart="never" nodeType="tmRoot">
+          <p:childTnLst>
+            <p:seq concurrent="1" nextAc="seek">
+              <p:cTn id="2" dur="indefinite" nodeType="mainSeq">
+                <p:childTnLst>
+                  <p:par>
+                    <p:cTn id="3" fill="hold">
+                      <p:stCondLst>
+                        <p:cond delay="indefinite"/>
+                      </p:stCondLst>
+                      <p:childTnLst>
+                        <p:par>
+                          <p:cTn id="4" fill="hold">
+                            <p:stCondLst>
+                              <p:cond delay="0"/>
+                            </p:stCondLst>
+                            <p:childTnLst>
+                              <p:par>
+                                <p:cTn id="5" presetID="10" presetClass="entr" presetSubtype="0" fill="hold" grpId="0" nodeType="clickEffect">
+                                  <p:stCondLst>
+                                    <p:cond delay="0"/>
+                                  </p:stCondLst>
+                                  <p:childTnLst>
+                                    <p:set>
+                                      <p:cBhvr>
+                                        <p:cTn id="6" dur="1" fill="hold">
+                                          <p:stCondLst>
+                                            <p:cond delay="0"/>
+                                          </p:stCondLst>
+                                        </p:cTn>
+                                        <p:tgtEl>
+                                          <p:spTgt spid="4">
+                                            <p:txEl>
+                                              <p:pRg st="1" end="1"/>
+                                            </p:txEl>
+                                          </p:spTgt>
+                                        </p:tgtEl>
+                                        <p:attrNameLst>
+                                          <p:attrName>style.visibility</p:attrName>
+                                        </p:attrNameLst>
+                                      </p:cBhvr>
+                                      <p:to>
+                                        <p:strVal val="visible"/>
+                                      </p:to>
+                                    </p:set>
+                                    <p:animEffect transition="in" filter="fade">
+                                      <p:cBhvr>
+                                        <p:cTn id="7" dur="500"/>
+                                        <p:tgtEl>
+                                          <p:spTgt spid="4">
+                                            <p:txEl>
+                                              <p:pRg st="1" end="1"/>
+                                            </p:txEl>
+                                          </p:spTgt>
+                                        </p:tgtEl>
+                                      </p:cBhvr>
+                                    </p:animEffect>
+                                  </p:childTnLst>
+                                </p:cTn>
+                              </p:par>
+                            </p:childTnLst>
+                          </p:cTn>
+                        </p:par>
+                      </p:childTnLst>
+                    </p:cTn>
+                  </p:par>
+                  <p:par>
+                    <p:cTn id="8" fill="hold">
+                      <p:stCondLst>
+                        <p:cond delay="indefinite"/>
+                      </p:stCondLst>
+                      <p:childTnLst>
+                        <p:par>
+                          <p:cTn id="9" fill="hold">
+                            <p:stCondLst>
+                              <p:cond delay="0"/>
+                            </p:stCondLst>
+                            <p:childTnLst>
+                              <p:par>
+                                <p:cTn id="10" presetID="10" presetClass="entr" presetSubtype="0" fill="hold" grpId="0" nodeType="clickEffect">
+                                  <p:stCondLst>
+                                    <p:cond delay="0"/>
+                                  </p:stCondLst>
+                                  <p:childTnLst>
+                                    <p:set>
+                                      <p:cBhvr>
+                                        <p:cTn id="11" dur="1" fill="hold">
+                                          <p:stCondLst>
+                                            <p:cond delay="0"/>
+                                          </p:stCondLst>
+                                        </p:cTn>
+                                        <p:tgtEl>
+                                          <p:spTgt spid="4">
+                                            <p:txEl>
+                                              <p:pRg st="2" end="2"/>
+                                            </p:txEl>
+                                          </p:spTgt>
+                                        </p:tgtEl>
+                                        <p:attrNameLst>
+                                          <p:attrName>style.visibility</p:attrName>
+                                        </p:attrNameLst>
+                                      </p:cBhvr>
+                                      <p:to>
+                                        <p:strVal val="visible"/>
+                                      </p:to>
+                                    </p:set>
+                                    <p:animEffect transition="in" filter="fade">
+                                      <p:cBhvr>
+                                        <p:cTn id="12" dur="500"/>
+                                        <p:tgtEl>
+                                          <p:spTgt spid="4">
+                                            <p:txEl>
+                                              <p:pRg st="2" end="2"/>
+                                            </p:txEl>
+                                          </p:spTgt>
+                                        </p:tgtEl>
+                                      </p:cBhvr>
+                                    </p:animEffect>
+                                  </p:childTnLst>
+                                </p:cTn>
+                              </p:par>
+                            </p:childTnLst>
+                          </p:cTn>
+                        </p:par>
+                      </p:childTnLst>
+                    </p:cTn>
+                  </p:par>
+                  <p:par>
+                    <p:cTn id="13" fill="hold">
+                      <p:stCondLst>
+                        <p:cond delay="indefinite"/>
+                      </p:stCondLst>
+                      <p:childTnLst>
+                        <p:par>
+                          <p:cTn id="14" fill="hold">
+                            <p:stCondLst>
+                              <p:cond delay="0"/>
+                            </p:stCondLst>
+                            <p:childTnLst>
+                              <p:par>
+                                <p:cTn id="15" presetID="10" presetClass="entr" presetSubtype="0" fill="hold" grpId="0" nodeType="clickEffect">
+                                  <p:stCondLst>
+                                    <p:cond delay="0"/>
+                                  </p:stCondLst>
+                                  <p:childTnLst>
+                                    <p:set>
+                                      <p:cBhvr>
+                                        <p:cTn id="16" dur="1" fill="hold">
+                                          <p:stCondLst>
+                                            <p:cond delay="0"/>
+                                          </p:stCondLst>
+                                        </p:cTn>
+                                        <p:tgtEl>
+                                          <p:spTgt spid="4">
+                                            <p:txEl>
+                                              <p:pRg st="3" end="3"/>
+                                            </p:txEl>
+                                          </p:spTgt>
+                                        </p:tgtEl>
+                                        <p:attrNameLst>
+                                          <p:attrName>style.visibility</p:attrName>
+                                        </p:attrNameLst>
+                                      </p:cBhvr>
+                                      <p:to>
+                                        <p:strVal val="visible"/>
+                                      </p:to>
+                                    </p:set>
+                                    <p:animEffect transition="in" filter="fade">
+                                      <p:cBhvr>
+                                        <p:cTn id="17" dur="500"/>
+                                        <p:tgtEl>
+                                          <p:spTgt spid="4">
+                                            <p:txEl>
+                                              <p:pRg st="3" end="3"/>
+                                            </p:txEl>
+                                          </p:spTgt>
+                                        </p:tgtEl>
+                                      </p:cBhvr>
+                                    </p:animEffect>
+                                  </p:childTnLst>
+                                </p:cTn>
+                              </p:par>
+                            </p:childTnLst>
+                          </p:cTn>
+                        </p:par>
+                      </p:childTnLst>
+                    </p:cTn>
+                  </p:par>
+                  <p:par>
+                    <p:cTn id="18" fill="hold">
+                      <p:stCondLst>
+                        <p:cond delay="indefinite"/>
+                      </p:stCondLst>
+                      <p:childTnLst>
+                        <p:par>
+                          <p:cTn id="19" fill="hold">
+                            <p:stCondLst>
+                              <p:cond delay="0"/>
+                            </p:stCondLst>
+                            <p:childTnLst>
+                              <p:par>
+                                <p:cTn id="20" presetID="10" presetClass="entr" presetSubtype="0" fill="hold" grpId="0" nodeType="clickEffect">
+                                  <p:stCondLst>
+                                    <p:cond delay="0"/>
+                                  </p:stCondLst>
+                                  <p:childTnLst>
+                                    <p:set>
+                                      <p:cBhvr>
+                                        <p:cTn id="21" dur="1" fill="hold">
+                                          <p:stCondLst>
+                                            <p:cond delay="0"/>
+                                          </p:stCondLst>
+                                        </p:cTn>
+                                        <p:tgtEl>
+                                          <p:spTgt spid="4">
+                                            <p:txEl>
+                                              <p:pRg st="4" end="4"/>
+                                            </p:txEl>
+                                          </p:spTgt>
+                                        </p:tgtEl>
+                                        <p:attrNameLst>
+                                          <p:attrName>style.visibility</p:attrName>
+                                        </p:attrNameLst>
+                                      </p:cBhvr>
+                                      <p:to>
+                                        <p:strVal val="visible"/>
+                                      </p:to>
+                                    </p:set>
+                                    <p:animEffect transition="in" filter="fade">
+                                      <p:cBhvr>
+                                        <p:cTn id="22" dur="500"/>
+                                        <p:tgtEl>
+                                          <p:spTgt spid="4">
+                                            <p:txEl>
+                                              <p:pRg st="4" end="4"/>
+                                            </p:txEl>
+                                          </p:spTgt>
+                                        </p:tgtEl>
+                                      </p:cBhvr>
+                                    </p:animEffect>
+                                  </p:childTnLst>
+                                </p:cTn>
+                              </p:par>
+                            </p:childTnLst>
+                          </p:cTn>
+                        </p:par>
+                      </p:childTnLst>
+                    </p:cTn>
+                  </p:par>
+                  <p:par>
+                    <p:cTn id="23" fill="hold">
+                      <p:stCondLst>
+                        <p:cond delay="indefinite"/>
+                      </p:stCondLst>
+                      <p:childTnLst>
+                        <p:par>
+                          <p:cTn id="24" fill="hold">
+                            <p:stCondLst>
+                              <p:cond delay="0"/>
+                            </p:stCondLst>
+                            <p:childTnLst>
+                              <p:par>
+                                <p:cTn id="25" presetID="10" presetClass="entr" presetSubtype="0" fill="hold" grpId="0" nodeType="clickEffect">
+                                  <p:stCondLst>
+                                    <p:cond delay="0"/>
+                                  </p:stCondLst>
+                                  <p:childTnLst>
+                                    <p:set>
+                                      <p:cBhvr>
+                                        <p:cTn id="26" dur="1" fill="hold">
+                                          <p:stCondLst>
+                                            <p:cond delay="0"/>
+                                          </p:stCondLst>
+                                        </p:cTn>
+                                        <p:tgtEl>
+                                          <p:spTgt spid="4">
+                                            <p:txEl>
+                                              <p:pRg st="5" end="5"/>
+                                            </p:txEl>
+                                          </p:spTgt>
+                                        </p:tgtEl>
+                                        <p:attrNameLst>
+                                          <p:attrName>style.visibility</p:attrName>
+                                        </p:attrNameLst>
+                                      </p:cBhvr>
+                                      <p:to>
+                                        <p:strVal val="visible"/>
+                                      </p:to>
+                                    </p:set>
+                                    <p:animEffect transition="in" filter="fade">
+                                      <p:cBhvr>
+                                        <p:cTn id="27" dur="500"/>
+                                        <p:tgtEl>
+                                          <p:spTgt spid="4">
+                                            <p:txEl>
+                                              <p:pRg st="5" end="5"/>
+                                            </p:txEl>
+                                          </p:spTgt>
+                                        </p:tgtEl>
+                                      </p:cBhvr>
+                                    </p:animEffect>
+                                  </p:childTnLst>
+                                </p:cTn>
+                              </p:par>
+                            </p:childTnLst>
+                          </p:cTn>
+                        </p:par>
+                      </p:childTnLst>
+                    </p:cTn>
+                  </p:par>
+                </p:childTnLst>
+              </p:cTn>
+              <p:prevCondLst>
+                <p:cond evt="onPrev" delay="0">
+                  <p:tgtEl>
+                    <p:sldTgt/>
+                  </p:tgtEl>
+                </p:cond>
+              </p:prevCondLst>
+              <p:nextCondLst>
+                <p:cond evt="onNext" delay="0">
+                  <p:tgtEl>
+                    <p:sldTgt/>
+                  </p:tgtEl>
+                </p:cond>
+              </p:nextCondLst>
+            </p:seq>
+          </p:childTnLst>
+        </p:cTn>
       </p:par>
     </p:tnLst>
+    <p:bldLst>
+      <p:bldP spid="4" grpId="0" build="p"/>
+    </p:bldLst>
   </p:timing>
 </p:sld>
 </file>
@@ -4131,6 +4785,111 @@
     <p:extLst>
       <p:ext uri="{BB962C8B-B14F-4D97-AF65-F5344CB8AC3E}">
         <p14:creationId xmlns:p14="http://schemas.microsoft.com/office/powerpoint/2010/main" val="2076931422"/>
+      </p:ext>
+    </p:extLst>
+  </p:cSld>
+  <p:clrMapOvr>
+    <a:masterClrMapping/>
+  </p:clrMapOvr>
+  <p:timing>
+    <p:tnLst>
+      <p:par>
+        <p:cTn id="1" dur="indefinite" restart="never" nodeType="tmRoot"/>
+      </p:par>
+    </p:tnLst>
+  </p:timing>
+</p:sld>
+</file>
+
+<file path=ppt/slides/slide7.xml><?xml version="1.0" encoding="utf-8"?>
+<p:sld xmlns:a="http://schemas.openxmlformats.org/drawingml/2006/main" xmlns:r="http://schemas.openxmlformats.org/officeDocument/2006/relationships" xmlns:p="http://schemas.openxmlformats.org/presentationml/2006/main">
+  <p:cSld>
+    <p:spTree>
+      <p:nvGrpSpPr>
+        <p:cNvPr id="1" name=""/>
+        <p:cNvGrpSpPr/>
+        <p:nvPr/>
+      </p:nvGrpSpPr>
+      <p:grpSpPr>
+        <a:xfrm>
+          <a:off x="0" y="0"/>
+          <a:ext cx="0" cy="0"/>
+          <a:chOff x="0" y="0"/>
+          <a:chExt cx="0" cy="0"/>
+        </a:xfrm>
+      </p:grpSpPr>
+      <p:sp>
+        <p:nvSpPr>
+          <p:cNvPr id="2" name="Titel 1"/>
+          <p:cNvSpPr>
+            <a:spLocks noGrp="1"/>
+          </p:cNvSpPr>
+          <p:nvPr>
+            <p:ph type="title"/>
+          </p:nvPr>
+        </p:nvSpPr>
+        <p:spPr>
+          <a:xfrm>
+            <a:off x="457200" y="2564904"/>
+            <a:ext cx="8229600" cy="1143000"/>
+          </a:xfrm>
+        </p:spPr>
+        <p:txBody>
+          <a:bodyPr/>
+          <a:lstStyle/>
+          <a:p>
+            <a:r>
+              <a:rPr lang="de-DE" b="1" dirty="0" smtClean="0">
+                <a:solidFill>
+                  <a:schemeClr val="bg1"/>
+                </a:solidFill>
+                <a:latin typeface="TeXGyreAdventor" pitchFamily="50" charset="0"/>
+              </a:rPr>
+              <a:t>Das Spiel</a:t>
+            </a:r>
+            <a:endParaRPr lang="de-DE" b="1" dirty="0">
+              <a:solidFill>
+                <a:schemeClr val="bg1"/>
+              </a:solidFill>
+              <a:latin typeface="TeXGyreAdventor" pitchFamily="50" charset="0"/>
+            </a:endParaRPr>
+          </a:p>
+        </p:txBody>
+      </p:sp>
+      <p:pic>
+        <p:nvPicPr>
+          <p:cNvPr id="3" name="Grafik 2"/>
+          <p:cNvPicPr>
+            <a:picLocks noChangeAspect="1"/>
+          </p:cNvPicPr>
+          <p:nvPr/>
+        </p:nvPicPr>
+        <p:blipFill>
+          <a:blip r:embed="rId2">
+            <a:extLst>
+              <a:ext uri="{28A0092B-C50C-407E-A947-70E740481C1C}">
+                <a14:useLocalDpi xmlns:a14="http://schemas.microsoft.com/office/drawing/2010/main" val="0"/>
+              </a:ext>
+            </a:extLst>
+          </a:blip>
+          <a:stretch>
+            <a:fillRect/>
+          </a:stretch>
+        </p:blipFill>
+        <p:spPr>
+          <a:xfrm>
+            <a:off x="0" y="801450"/>
+            <a:ext cx="9144000" cy="5255099"/>
+          </a:xfrm>
+          <a:prstGeom prst="rect">
+            <a:avLst/>
+          </a:prstGeom>
+        </p:spPr>
+      </p:pic>
+    </p:spTree>
+    <p:extLst>
+      <p:ext uri="{BB962C8B-B14F-4D97-AF65-F5344CB8AC3E}">
+        <p14:creationId xmlns:p14="http://schemas.microsoft.com/office/powerpoint/2010/main" val="3934266345"/>
       </p:ext>
     </p:extLst>
   </p:cSld>
